--- a/doc/Kniffel.pptx
+++ b/doc/Kniffel.pptx
@@ -3139,11 +3139,7 @@
           <a:p>
             <a:r>
               <a:rPr lang="de-DE" dirty="0" smtClean="0"/>
-              <a:t>IoT</a:t>
-            </a:r>
-            <a:r>
-              <a:rPr lang="de-DE" dirty="0" smtClean="0"/>
-              <a:t> / Programmieren 2</a:t>
+              <a:t>IoT / Programmieren 2</a:t>
             </a:r>
             <a:endParaRPr lang="de-DE" dirty="0"/>
           </a:p>
@@ -3274,7 +3270,6 @@
               <a:rPr lang="de-DE" dirty="0" smtClean="0"/>
               <a:t>Kniffel</a:t>
             </a:r>
-            <a:endParaRPr lang="de-DE" dirty="0" smtClean="0"/>
           </a:p>
           <a:p>
             <a:endParaRPr lang="de-DE" dirty="0"/>
@@ -3378,7 +3373,6 @@
               <a:rPr lang="de-DE" dirty="0" smtClean="0"/>
               <a:t>Kniffel</a:t>
             </a:r>
-            <a:endParaRPr lang="de-DE" dirty="0" smtClean="0"/>
           </a:p>
           <a:p>
             <a:endParaRPr lang="de-DE" dirty="0"/>
@@ -3497,25 +3491,20 @@
           </a:p>
           <a:p>
             <a:r>
+              <a:rPr lang="de-DE" smtClean="0"/>
+              <a:t>Grundlagen </a:t>
+            </a:r>
+            <a:r>
+              <a:rPr lang="de-DE" smtClean="0"/>
+              <a:t>Swing</a:t>
+            </a:r>
+            <a:endParaRPr lang="de-DE" dirty="0" smtClean="0"/>
+          </a:p>
+          <a:p>
+            <a:r>
               <a:rPr lang="de-DE" dirty="0" smtClean="0"/>
-              <a:t>Grundlagen </a:t>
-            </a:r>
-            <a:r>
-              <a:rPr lang="de-DE" dirty="0" smtClean="0"/>
-              <a:t>JFrame</a:t>
-            </a:r>
-            <a:endParaRPr lang="de-DE" dirty="0" smtClean="0"/>
-          </a:p>
-          <a:p>
-            <a:r>
-              <a:rPr lang="de-DE" dirty="0" smtClean="0"/>
-              <a:t>Grundlagen </a:t>
-            </a:r>
-            <a:r>
-              <a:rPr lang="de-DE" dirty="0" smtClean="0"/>
-              <a:t>JavaFX</a:t>
-            </a:r>
-            <a:endParaRPr lang="de-DE" dirty="0" smtClean="0"/>
+              <a:t>Grundlagen JavaFX</a:t>
+            </a:r>
           </a:p>
         </p:txBody>
       </p:sp>
